--- a/HerokuCloudflare.pptx
+++ b/HerokuCloudflare.pptx
@@ -8,20 +8,19 @@
     <p:sldId id="257" r:id="rId2"/>
     <p:sldId id="258" r:id="rId3"/>
     <p:sldId id="259" r:id="rId4"/>
-    <p:sldId id="260" r:id="rId5"/>
-    <p:sldId id="261" r:id="rId6"/>
-    <p:sldId id="262" r:id="rId7"/>
-    <p:sldId id="263" r:id="rId8"/>
-    <p:sldId id="264" r:id="rId9"/>
-    <p:sldId id="265" r:id="rId10"/>
-    <p:sldId id="266" r:id="rId11"/>
-    <p:sldId id="267" r:id="rId12"/>
-    <p:sldId id="268" r:id="rId13"/>
-    <p:sldId id="269" r:id="rId14"/>
-    <p:sldId id="271" r:id="rId15"/>
-    <p:sldId id="272" r:id="rId16"/>
-    <p:sldId id="270" r:id="rId17"/>
-    <p:sldId id="273" r:id="rId18"/>
+    <p:sldId id="261" r:id="rId5"/>
+    <p:sldId id="262" r:id="rId6"/>
+    <p:sldId id="263" r:id="rId7"/>
+    <p:sldId id="264" r:id="rId8"/>
+    <p:sldId id="265" r:id="rId9"/>
+    <p:sldId id="266" r:id="rId10"/>
+    <p:sldId id="267" r:id="rId11"/>
+    <p:sldId id="268" r:id="rId12"/>
+    <p:sldId id="269" r:id="rId13"/>
+    <p:sldId id="271" r:id="rId14"/>
+    <p:sldId id="272" r:id="rId15"/>
+    <p:sldId id="270" r:id="rId16"/>
+    <p:sldId id="273" r:id="rId17"/>
   </p:sldIdLst>
   <p:sldSz cx="12192000" cy="6858000"/>
   <p:notesSz cx="6858000" cy="9144000"/>
@@ -120,6 +119,11 @@
       </a:defRPr>
     </a:lvl9pPr>
   </p:defaultTextStyle>
+  <p:extLst>
+    <p:ext uri="{EFAFB233-063F-42B5-8137-9DF3F51BA10A}">
+      <p15:sldGuideLst xmlns:p15="http://schemas.microsoft.com/office/powerpoint/2012/main"/>
+    </p:ext>
+  </p:extLst>
 </p:presentation>
 </file>
 
@@ -459,7 +463,7 @@
             <a:fld id="{5923F103-BC34-4FE4-A40E-EDDEECFDA5D0}" type="datetimeFigureOut">
               <a:rPr lang="en-US" dirty="0"/>
               <a:pPr/>
-              <a:t>10/1/2016</a:t>
+              <a:t>10/3/2016</a:t>
             </a:fld>
             <a:endParaRPr lang="en-US" dirty="0"/>
           </a:p>
@@ -1547,7 +1551,7 @@
           <a:p>
             <a:fld id="{923A1CC3-2375-41D4-9E03-427CAF2A4C1A}" type="datetimeFigureOut">
               <a:rPr lang="en-US" dirty="0"/>
-              <a:t>10/1/2016</a:t>
+              <a:t>10/3/2016</a:t>
             </a:fld>
             <a:endParaRPr lang="en-US" dirty="0"/>
           </a:p>
@@ -2527,7 +2531,7 @@
           <a:p>
             <a:fld id="{AFF16868-8199-4C2C-A5B1-63AEE139F88E}" type="datetimeFigureOut">
               <a:rPr lang="en-US" dirty="0"/>
-              <a:t>10/1/2016</a:t>
+              <a:t>10/3/2016</a:t>
             </a:fld>
             <a:endParaRPr lang="en-US" dirty="0"/>
           </a:p>
@@ -3661,7 +3665,7 @@
           <a:p>
             <a:fld id="{AAD9FF7F-6988-44CC-821B-644E70CD2F73}" type="datetimeFigureOut">
               <a:rPr lang="en-US" dirty="0"/>
-              <a:t>10/1/2016</a:t>
+              <a:t>10/3/2016</a:t>
             </a:fld>
             <a:endParaRPr lang="en-US" dirty="0"/>
           </a:p>
@@ -4694,7 +4698,7 @@
           <a:p>
             <a:fld id="{5C12C299-16B2-4475-990D-751901EACC14}" type="datetimeFigureOut">
               <a:rPr lang="en-US" dirty="0"/>
-              <a:t>10/1/2016</a:t>
+              <a:t>10/3/2016</a:t>
             </a:fld>
             <a:endParaRPr lang="en-US" dirty="0"/>
           </a:p>
@@ -5354,7 +5358,7 @@
           <a:p>
             <a:fld id="{9FE86839-B9D8-4651-8783-F325ECE74E65}" type="datetimeFigureOut">
               <a:rPr lang="en-US" dirty="0"/>
-              <a:t>10/1/2016</a:t>
+              <a:t>10/3/2016</a:t>
             </a:fld>
             <a:endParaRPr lang="en-US" dirty="0"/>
           </a:p>
@@ -6215,7 +6219,7 @@
           <a:p>
             <a:fld id="{FD484F64-32F6-45C5-931F-ADC1662401D0}" type="datetimeFigureOut">
               <a:rPr lang="en-US" dirty="0"/>
-              <a:t>10/1/2016</a:t>
+              <a:t>10/3/2016</a:t>
             </a:fld>
             <a:endParaRPr lang="en-US" dirty="0"/>
           </a:p>
@@ -6405,7 +6409,7 @@
           <a:p>
             <a:fld id="{53086D93-FCAC-47E0-A2EE-787E62CA814C}" type="datetimeFigureOut">
               <a:rPr lang="en-US" dirty="0"/>
-              <a:t>10/1/2016</a:t>
+              <a:t>10/3/2016</a:t>
             </a:fld>
             <a:endParaRPr lang="en-US" dirty="0"/>
           </a:p>
@@ -7377,7 +7381,7 @@
           <a:p>
             <a:fld id="{CDA879A6-0FD0-4734-A311-86BFCA472E6E}" type="datetimeFigureOut">
               <a:rPr lang="en-US" dirty="0"/>
-              <a:t>10/1/2016</a:t>
+              <a:t>10/3/2016</a:t>
             </a:fld>
             <a:endParaRPr lang="en-US" dirty="0"/>
           </a:p>
@@ -7588,7 +7592,7 @@
           <a:p>
             <a:fld id="{19C9CA7B-DFD4-44B5-8C60-D14B8CD1FB59}" type="datetimeFigureOut">
               <a:rPr lang="en-US" dirty="0"/>
-              <a:t>10/1/2016</a:t>
+              <a:t>10/3/2016</a:t>
             </a:fld>
             <a:endParaRPr lang="en-US" dirty="0"/>
           </a:p>
@@ -8622,7 +8626,7 @@
           <a:p>
             <a:fld id="{F34E6425-0181-43F2-84FC-787E803FD2F8}" type="datetimeFigureOut">
               <a:rPr lang="en-US" dirty="0"/>
-              <a:t>10/1/2016</a:t>
+              <a:t>10/3/2016</a:t>
             </a:fld>
             <a:endParaRPr lang="en-US" dirty="0"/>
           </a:p>
@@ -8894,7 +8898,7 @@
           <a:p>
             <a:fld id="{3BDB8791-F1B0-41E7-B7FD-A781E65C4266}" type="datetimeFigureOut">
               <a:rPr lang="en-US" dirty="0"/>
-              <a:t>10/1/2016</a:t>
+              <a:t>10/3/2016</a:t>
             </a:fld>
             <a:endParaRPr lang="en-US" dirty="0"/>
           </a:p>
@@ -9304,7 +9308,7 @@
           <a:p>
             <a:fld id="{5FDD63B2-E120-4ED8-B27B-C685F510A5FE}" type="datetimeFigureOut">
               <a:rPr lang="en-US" dirty="0"/>
-              <a:t>10/1/2016</a:t>
+              <a:t>10/3/2016</a:t>
             </a:fld>
             <a:endParaRPr lang="en-US" dirty="0"/>
           </a:p>
@@ -9431,7 +9435,7 @@
           <a:p>
             <a:fld id="{7AA18ACC-A947-437B-A130-35BD54FDF1E9}" type="datetimeFigureOut">
               <a:rPr lang="en-US" dirty="0"/>
-              <a:t>10/1/2016</a:t>
+              <a:t>10/3/2016</a:t>
             </a:fld>
             <a:endParaRPr lang="en-US" dirty="0"/>
           </a:p>
@@ -9526,7 +9530,7 @@
           <a:p>
             <a:fld id="{7C8D7E02-BCB8-4D50-A234-369438C08659}" type="datetimeFigureOut">
               <a:rPr lang="en-US" dirty="0"/>
-              <a:t>10/1/2016</a:t>
+              <a:t>10/3/2016</a:t>
             </a:fld>
             <a:endParaRPr lang="en-US" dirty="0"/>
           </a:p>
@@ -10607,7 +10611,7 @@
           <a:p>
             <a:fld id="{76E86A4C-8E40-4F87-A4F0-01A0687C5742}" type="datetimeFigureOut">
               <a:rPr lang="en-US" dirty="0"/>
-              <a:t>10/1/2016</a:t>
+              <a:t>10/3/2016</a:t>
             </a:fld>
             <a:endParaRPr lang="en-US" dirty="0"/>
           </a:p>
@@ -11715,7 +11719,7 @@
           <a:p>
             <a:fld id="{35E72C73-2D91-4E12-BA25-F0AA0C03599B}" type="datetimeFigureOut">
               <a:rPr lang="en-US" dirty="0"/>
-              <a:t>10/1/2016</a:t>
+              <a:t>10/3/2016</a:t>
             </a:fld>
             <a:endParaRPr lang="en-US" dirty="0"/>
           </a:p>
@@ -12712,7 +12716,7 @@
           <a:p>
             <a:fld id="{2BE451C3-0FF4-47C4-B829-773ADF60F88C}" type="datetimeFigureOut">
               <a:rPr lang="en-US" dirty="0"/>
-              <a:t>10/1/2016</a:t>
+              <a:t>10/3/2016</a:t>
             </a:fld>
             <a:endParaRPr lang="en-US" dirty="0"/>
           </a:p>
@@ -13426,7 +13430,13 @@
           <a:p>
             <a:r>
               <a:rPr lang="en-CA" dirty="0"/>
-              <a:t>Once you’ve selected your domain, register with your student email. </a:t>
+              <a:t>Once, you’ve verified your school email, register an account.</a:t>
+            </a:r>
+          </a:p>
+          <a:p>
+            <a:r>
+              <a:rPr lang="en-CA" dirty="0"/>
+              <a:t>Now, once you go to namecheap.com and log in, your new domain should appear.</a:t>
             </a:r>
           </a:p>
         </p:txBody>
@@ -13447,8 +13457,8 @@
         </p:blipFill>
         <p:spPr>
           <a:xfrm>
-            <a:off x="1486973" y="3349581"/>
-            <a:ext cx="7543800" cy="3352800"/>
+            <a:off x="813649" y="3839447"/>
+            <a:ext cx="10229850" cy="2733675"/>
           </a:xfrm>
           <a:prstGeom prst="rect">
             <a:avLst/>
@@ -13458,7 +13468,7 @@
     </p:spTree>
     <p:extLst>
       <p:ext uri="{BB962C8B-B14F-4D97-AF65-F5344CB8AC3E}">
-        <p14:creationId xmlns:p14="http://schemas.microsoft.com/office/powerpoint/2010/main" val="3389652937"/>
+        <p14:creationId xmlns:p14="http://schemas.microsoft.com/office/powerpoint/2010/main" val="1662919947"/>
       </p:ext>
     </p:extLst>
   </p:cSld>
@@ -13502,7 +13512,15 @@
           <a:p>
             <a:r>
               <a:rPr lang="en-CA" dirty="0"/>
-              <a:t>nc.me</a:t>
+              <a:t>Configuring on </a:t>
+            </a:r>
+            <a:r>
+              <a:rPr lang="en-CA" dirty="0" err="1"/>
+              <a:t>Heroku</a:t>
+            </a:r>
+            <a:r>
+              <a:rPr lang="en-CA" dirty="0"/>
+              <a:t> side</a:t>
             </a:r>
           </a:p>
         </p:txBody>
@@ -13524,118 +13542,6 @@
           <a:p>
             <a:r>
               <a:rPr lang="en-CA" dirty="0"/>
-              <a:t>Once, you’ve verified your school email, register an account.</a:t>
-            </a:r>
-          </a:p>
-          <a:p>
-            <a:r>
-              <a:rPr lang="en-CA" dirty="0"/>
-              <a:t>Now, once you go to namecheap.com and log in, your new domain should appear.</a:t>
-            </a:r>
-          </a:p>
-        </p:txBody>
-      </p:sp>
-      <p:pic>
-        <p:nvPicPr>
-          <p:cNvPr id="4" name="Picture 3"/>
-          <p:cNvPicPr>
-            <a:picLocks noChangeAspect="1"/>
-          </p:cNvPicPr>
-          <p:nvPr/>
-        </p:nvPicPr>
-        <p:blipFill>
-          <a:blip r:embed="rId2"/>
-          <a:stretch>
-            <a:fillRect/>
-          </a:stretch>
-        </p:blipFill>
-        <p:spPr>
-          <a:xfrm>
-            <a:off x="813649" y="3839447"/>
-            <a:ext cx="10229850" cy="2733675"/>
-          </a:xfrm>
-          <a:prstGeom prst="rect">
-            <a:avLst/>
-          </a:prstGeom>
-        </p:spPr>
-      </p:pic>
-    </p:spTree>
-    <p:extLst>
-      <p:ext uri="{BB962C8B-B14F-4D97-AF65-F5344CB8AC3E}">
-        <p14:creationId xmlns:p14="http://schemas.microsoft.com/office/powerpoint/2010/main" val="1662919947"/>
-      </p:ext>
-    </p:extLst>
-  </p:cSld>
-  <p:clrMapOvr>
-    <a:masterClrMapping/>
-  </p:clrMapOvr>
-</p:sld>
-</file>
-
-<file path=ppt/slides/slide12.xml><?xml version="1.0" encoding="utf-8"?>
-<p:sld xmlns:a="http://schemas.openxmlformats.org/drawingml/2006/main" xmlns:r="http://schemas.openxmlformats.org/officeDocument/2006/relationships" xmlns:p="http://schemas.openxmlformats.org/presentationml/2006/main">
-  <p:cSld>
-    <p:spTree>
-      <p:nvGrpSpPr>
-        <p:cNvPr id="1" name=""/>
-        <p:cNvGrpSpPr/>
-        <p:nvPr/>
-      </p:nvGrpSpPr>
-      <p:grpSpPr>
-        <a:xfrm>
-          <a:off x="0" y="0"/>
-          <a:ext cx="0" cy="0"/>
-          <a:chOff x="0" y="0"/>
-          <a:chExt cx="0" cy="0"/>
-        </a:xfrm>
-      </p:grpSpPr>
-      <p:sp>
-        <p:nvSpPr>
-          <p:cNvPr id="2" name="Title 1"/>
-          <p:cNvSpPr>
-            <a:spLocks noGrp="1"/>
-          </p:cNvSpPr>
-          <p:nvPr>
-            <p:ph type="title"/>
-          </p:nvPr>
-        </p:nvSpPr>
-        <p:spPr/>
-        <p:txBody>
-          <a:bodyPr/>
-          <a:lstStyle/>
-          <a:p>
-            <a:r>
-              <a:rPr lang="en-CA" dirty="0"/>
-              <a:t>Configuring on </a:t>
-            </a:r>
-            <a:r>
-              <a:rPr lang="en-CA" dirty="0" err="1"/>
-              <a:t>Heroku</a:t>
-            </a:r>
-            <a:r>
-              <a:rPr lang="en-CA" dirty="0"/>
-              <a:t> side</a:t>
-            </a:r>
-          </a:p>
-        </p:txBody>
-      </p:sp>
-      <p:sp>
-        <p:nvSpPr>
-          <p:cNvPr id="3" name="Content Placeholder 2"/>
-          <p:cNvSpPr>
-            <a:spLocks noGrp="1"/>
-          </p:cNvSpPr>
-          <p:nvPr>
-            <p:ph idx="1"/>
-          </p:nvPr>
-        </p:nvSpPr>
-        <p:spPr/>
-        <p:txBody>
-          <a:bodyPr/>
-          <a:lstStyle/>
-          <a:p>
-            <a:r>
-              <a:rPr lang="en-CA" dirty="0"/>
               <a:t>Under settings, go to Domains, and click on “Add Domain”</a:t>
             </a:r>
           </a:p>
@@ -13654,7 +13560,7 @@
 </p:sld>
 </file>
 
-<file path=ppt/slides/slide13.xml><?xml version="1.0" encoding="utf-8"?>
+<file path=ppt/slides/slide12.xml><?xml version="1.0" encoding="utf-8"?>
 <p:sld xmlns:a="http://schemas.openxmlformats.org/drawingml/2006/main" xmlns:r="http://schemas.openxmlformats.org/officeDocument/2006/relationships" xmlns:p="http://schemas.openxmlformats.org/presentationml/2006/main">
   <p:cSld>
     <p:spTree>
@@ -13763,6 +13669,101 @@
 </p:sld>
 </file>
 
+<file path=ppt/slides/slide13.xml><?xml version="1.0" encoding="utf-8"?>
+<p:sld xmlns:a="http://schemas.openxmlformats.org/drawingml/2006/main" xmlns:r="http://schemas.openxmlformats.org/officeDocument/2006/relationships" xmlns:p="http://schemas.openxmlformats.org/presentationml/2006/main">
+  <p:cSld>
+    <p:spTree>
+      <p:nvGrpSpPr>
+        <p:cNvPr id="1" name=""/>
+        <p:cNvGrpSpPr/>
+        <p:nvPr/>
+      </p:nvGrpSpPr>
+      <p:grpSpPr>
+        <a:xfrm>
+          <a:off x="0" y="0"/>
+          <a:ext cx="0" cy="0"/>
+          <a:chOff x="0" y="0"/>
+          <a:chExt cx="0" cy="0"/>
+        </a:xfrm>
+      </p:grpSpPr>
+      <p:sp>
+        <p:nvSpPr>
+          <p:cNvPr id="2" name="Title 1"/>
+          <p:cNvSpPr>
+            <a:spLocks noGrp="1"/>
+          </p:cNvSpPr>
+          <p:nvPr>
+            <p:ph type="title"/>
+          </p:nvPr>
+        </p:nvSpPr>
+        <p:spPr/>
+        <p:txBody>
+          <a:bodyPr/>
+          <a:lstStyle/>
+          <a:p>
+            <a:endParaRPr lang="en-CA"/>
+          </a:p>
+        </p:txBody>
+      </p:sp>
+      <p:sp>
+        <p:nvSpPr>
+          <p:cNvPr id="3" name="Content Placeholder 2"/>
+          <p:cNvSpPr>
+            <a:spLocks noGrp="1"/>
+          </p:cNvSpPr>
+          <p:nvPr>
+            <p:ph idx="1"/>
+          </p:nvPr>
+        </p:nvSpPr>
+        <p:spPr/>
+        <p:txBody>
+          <a:bodyPr/>
+          <a:lstStyle/>
+          <a:p>
+            <a:r>
+              <a:rPr lang="en-CA" dirty="0"/>
+              <a:t>Type the name of your domain.</a:t>
+            </a:r>
+          </a:p>
+        </p:txBody>
+      </p:sp>
+      <p:pic>
+        <p:nvPicPr>
+          <p:cNvPr id="4" name="Picture 3"/>
+          <p:cNvPicPr>
+            <a:picLocks noChangeAspect="1"/>
+          </p:cNvPicPr>
+          <p:nvPr/>
+        </p:nvPicPr>
+        <p:blipFill>
+          <a:blip r:embed="rId2"/>
+          <a:stretch>
+            <a:fillRect/>
+          </a:stretch>
+        </p:blipFill>
+        <p:spPr>
+          <a:xfrm>
+            <a:off x="175675" y="3457575"/>
+            <a:ext cx="11763375" cy="2562225"/>
+          </a:xfrm>
+          <a:prstGeom prst="rect">
+            <a:avLst/>
+          </a:prstGeom>
+        </p:spPr>
+      </p:pic>
+    </p:spTree>
+    <p:extLst>
+      <p:ext uri="{BB962C8B-B14F-4D97-AF65-F5344CB8AC3E}">
+        <p14:creationId xmlns:p14="http://schemas.microsoft.com/office/powerpoint/2010/main" val="3792703006"/>
+      </p:ext>
+    </p:extLst>
+  </p:cSld>
+  <p:clrMapOvr>
+    <a:masterClrMapping/>
+  </p:clrMapOvr>
+</p:sld>
+</file>
+
 <file path=ppt/slides/slide14.xml><?xml version="1.0" encoding="utf-8"?>
 <p:sld xmlns:a="http://schemas.openxmlformats.org/drawingml/2006/main" xmlns:r="http://schemas.openxmlformats.org/officeDocument/2006/relationships" xmlns:p="http://schemas.openxmlformats.org/presentationml/2006/main">
   <p:cSld>
@@ -13795,7 +13796,14 @@
           <a:bodyPr/>
           <a:lstStyle/>
           <a:p>
-            <a:endParaRPr lang="en-CA"/>
+            <a:r>
+              <a:rPr lang="en-CA" dirty="0" err="1"/>
+              <a:t>Namecheap</a:t>
+            </a:r>
+            <a:r>
+              <a:rPr lang="en-CA" dirty="0"/>
+              <a:t> side:</a:t>
+            </a:r>
           </a:p>
         </p:txBody>
       </p:sp>
@@ -13809,14 +13817,33 @@
             <p:ph idx="1"/>
           </p:nvPr>
         </p:nvSpPr>
-        <p:spPr/>
+        <p:spPr>
+          <a:xfrm>
+            <a:off x="1090708" y="2294407"/>
+            <a:ext cx="8825659" cy="3416300"/>
+          </a:xfrm>
+        </p:spPr>
         <p:txBody>
           <a:bodyPr/>
           <a:lstStyle/>
           <a:p>
             <a:r>
               <a:rPr lang="en-CA" dirty="0"/>
-              <a:t>Type the name of your domain.</a:t>
+              <a:t>Go to </a:t>
+            </a:r>
+            <a:r>
+              <a:rPr lang="en-CA" dirty="0" err="1"/>
+              <a:t>namecheap</a:t>
+            </a:r>
+            <a:r>
+              <a:rPr lang="en-CA" dirty="0"/>
+              <a:t> and go to your Domain List tab. </a:t>
+            </a:r>
+          </a:p>
+          <a:p>
+            <a:r>
+              <a:rPr lang="en-CA" dirty="0"/>
+              <a:t>Click on Advanced DNS</a:t>
             </a:r>
           </a:p>
         </p:txBody>
@@ -13837,8 +13864,8 @@
         </p:blipFill>
         <p:spPr>
           <a:xfrm>
-            <a:off x="175675" y="3457575"/>
-            <a:ext cx="11763375" cy="2562225"/>
+            <a:off x="223051" y="3193944"/>
+            <a:ext cx="11818696" cy="4089058"/>
           </a:xfrm>
           <a:prstGeom prst="rect">
             <a:avLst/>
@@ -13848,7 +13875,7 @@
     </p:spTree>
     <p:extLst>
       <p:ext uri="{BB962C8B-B14F-4D97-AF65-F5344CB8AC3E}">
-        <p14:creationId xmlns:p14="http://schemas.microsoft.com/office/powerpoint/2010/main" val="3792703006"/>
+        <p14:creationId xmlns:p14="http://schemas.microsoft.com/office/powerpoint/2010/main" val="1425088694"/>
       </p:ext>
     </p:extLst>
   </p:cSld>
@@ -13890,127 +13917,6 @@
           <a:bodyPr/>
           <a:lstStyle/>
           <a:p>
-            <a:r>
-              <a:rPr lang="en-CA" dirty="0" err="1"/>
-              <a:t>Namecheap</a:t>
-            </a:r>
-            <a:r>
-              <a:rPr lang="en-CA" dirty="0"/>
-              <a:t> side:</a:t>
-            </a:r>
-          </a:p>
-        </p:txBody>
-      </p:sp>
-      <p:sp>
-        <p:nvSpPr>
-          <p:cNvPr id="3" name="Content Placeholder 2"/>
-          <p:cNvSpPr>
-            <a:spLocks noGrp="1"/>
-          </p:cNvSpPr>
-          <p:nvPr>
-            <p:ph idx="1"/>
-          </p:nvPr>
-        </p:nvSpPr>
-        <p:spPr>
-          <a:xfrm>
-            <a:off x="1090708" y="2294407"/>
-            <a:ext cx="8825659" cy="3416300"/>
-          </a:xfrm>
-        </p:spPr>
-        <p:txBody>
-          <a:bodyPr/>
-          <a:lstStyle/>
-          <a:p>
-            <a:r>
-              <a:rPr lang="en-CA" dirty="0"/>
-              <a:t>Go to </a:t>
-            </a:r>
-            <a:r>
-              <a:rPr lang="en-CA" dirty="0" err="1"/>
-              <a:t>namecheap</a:t>
-            </a:r>
-            <a:r>
-              <a:rPr lang="en-CA" dirty="0"/>
-              <a:t> and go to your Domain List tab. </a:t>
-            </a:r>
-          </a:p>
-          <a:p>
-            <a:r>
-              <a:rPr lang="en-CA" dirty="0"/>
-              <a:t>Click on Advanced DNS</a:t>
-            </a:r>
-          </a:p>
-        </p:txBody>
-      </p:sp>
-      <p:pic>
-        <p:nvPicPr>
-          <p:cNvPr id="4" name="Picture 3"/>
-          <p:cNvPicPr>
-            <a:picLocks noChangeAspect="1"/>
-          </p:cNvPicPr>
-          <p:nvPr/>
-        </p:nvPicPr>
-        <p:blipFill>
-          <a:blip r:embed="rId2"/>
-          <a:stretch>
-            <a:fillRect/>
-          </a:stretch>
-        </p:blipFill>
-        <p:spPr>
-          <a:xfrm>
-            <a:off x="223051" y="3193944"/>
-            <a:ext cx="11818696" cy="4089058"/>
-          </a:xfrm>
-          <a:prstGeom prst="rect">
-            <a:avLst/>
-          </a:prstGeom>
-        </p:spPr>
-      </p:pic>
-    </p:spTree>
-    <p:extLst>
-      <p:ext uri="{BB962C8B-B14F-4D97-AF65-F5344CB8AC3E}">
-        <p14:creationId xmlns:p14="http://schemas.microsoft.com/office/powerpoint/2010/main" val="1425088694"/>
-      </p:ext>
-    </p:extLst>
-  </p:cSld>
-  <p:clrMapOvr>
-    <a:masterClrMapping/>
-  </p:clrMapOvr>
-</p:sld>
-</file>
-
-<file path=ppt/slides/slide16.xml><?xml version="1.0" encoding="utf-8"?>
-<p:sld xmlns:a="http://schemas.openxmlformats.org/drawingml/2006/main" xmlns:r="http://schemas.openxmlformats.org/officeDocument/2006/relationships" xmlns:p="http://schemas.openxmlformats.org/presentationml/2006/main">
-  <p:cSld>
-    <p:spTree>
-      <p:nvGrpSpPr>
-        <p:cNvPr id="1" name=""/>
-        <p:cNvGrpSpPr/>
-        <p:nvPr/>
-      </p:nvGrpSpPr>
-      <p:grpSpPr>
-        <a:xfrm>
-          <a:off x="0" y="0"/>
-          <a:ext cx="0" cy="0"/>
-          <a:chOff x="0" y="0"/>
-          <a:chExt cx="0" cy="0"/>
-        </a:xfrm>
-      </p:grpSpPr>
-      <p:sp>
-        <p:nvSpPr>
-          <p:cNvPr id="2" name="Title 1"/>
-          <p:cNvSpPr>
-            <a:spLocks noGrp="1"/>
-          </p:cNvSpPr>
-          <p:nvPr>
-            <p:ph type="title"/>
-          </p:nvPr>
-        </p:nvSpPr>
-        <p:spPr/>
-        <p:txBody>
-          <a:bodyPr/>
-          <a:lstStyle/>
-          <a:p>
             <a:endParaRPr lang="en-CA" dirty="0"/>
           </a:p>
         </p:txBody>
@@ -14130,7 +14036,7 @@
 </p:sld>
 </file>
 
-<file path=ppt/slides/slide17.xml><?xml version="1.0" encoding="utf-8"?>
+<file path=ppt/slides/slide16.xml><?xml version="1.0" encoding="utf-8"?>
 <p:sld xmlns:a="http://schemas.openxmlformats.org/drawingml/2006/main" xmlns:r="http://schemas.openxmlformats.org/officeDocument/2006/relationships" xmlns:p="http://schemas.openxmlformats.org/presentationml/2006/main">
   <p:cSld>
     <p:spTree>
@@ -14500,7 +14406,7 @@
           <a:p>
             <a:r>
               <a:rPr lang="en-CA" dirty="0"/>
-              <a:t>Link your GitHub Repo to </a:t>
+              <a:t>Deploy on </a:t>
             </a:r>
             <a:r>
               <a:rPr lang="en-CA" dirty="0" err="1"/>
@@ -14522,70 +14428,12 @@
         </p:nvSpPr>
         <p:spPr/>
         <p:txBody>
-          <a:bodyPr>
-            <a:normAutofit/>
-          </a:bodyPr>
+          <a:bodyPr/>
           <a:lstStyle/>
           <a:p>
             <a:r>
               <a:rPr lang="en-CA" dirty="0"/>
-              <a:t>Before we do this, create a </a:t>
-            </a:r>
-            <a:r>
-              <a:rPr lang="en-CA" dirty="0" err="1"/>
-              <a:t>php</a:t>
-            </a:r>
-            <a:r>
-              <a:rPr lang="en-CA" dirty="0"/>
-              <a:t> file in the same folder as your html file.</a:t>
-            </a:r>
-          </a:p>
-          <a:p>
-            <a:pPr marL="800100" lvl="1" indent="-342900">
-              <a:buAutoNum type="arabicPeriod"/>
-            </a:pPr>
-            <a:r>
-              <a:rPr lang="en-CA" dirty="0"/>
-              <a:t>Name it </a:t>
-            </a:r>
-            <a:r>
-              <a:rPr lang="en-CA" dirty="0" err="1"/>
-              <a:t>index.php</a:t>
-            </a:r>
-            <a:endParaRPr lang="en-CA" dirty="0"/>
-          </a:p>
-          <a:p>
-            <a:pPr marL="800100" lvl="1" indent="-342900">
-              <a:buAutoNum type="arabicPeriod"/>
-            </a:pPr>
-            <a:r>
-              <a:rPr lang="en-CA" dirty="0"/>
-              <a:t>Put the text as:  &lt;?</a:t>
-            </a:r>
-            <a:r>
-              <a:rPr lang="en-CA" dirty="0" err="1"/>
-              <a:t>php</a:t>
-            </a:r>
-            <a:r>
-              <a:rPr lang="en-CA" dirty="0"/>
-              <a:t> </a:t>
-            </a:r>
-            <a:r>
-              <a:rPr lang="en-CA" dirty="0" err="1"/>
-              <a:t>include_once</a:t>
-            </a:r>
-            <a:r>
-              <a:rPr lang="en-CA" dirty="0"/>
-              <a:t>(“index.html"); ?&gt;</a:t>
-            </a:r>
-          </a:p>
-          <a:p>
-            <a:pPr marL="457200" lvl="1" indent="0">
-              <a:buNone/>
-            </a:pPr>
-            <a:r>
-              <a:rPr lang="en-CA" dirty="0"/>
-              <a:t>Why do we do this? Because </a:t>
+              <a:t>Go to Deploy on your </a:t>
             </a:r>
             <a:r>
               <a:rPr lang="en-CA" dirty="0" err="1"/>
@@ -14593,58 +14441,61 @@
             </a:r>
             <a:r>
               <a:rPr lang="en-CA" dirty="0"/>
-              <a:t> does not recognize html projects as apps, so we are tricking it. </a:t>
-            </a:r>
-          </a:p>
-          <a:p>
+              <a:t> dashboard.</a:t>
+            </a:r>
+          </a:p>
+          <a:p>
+            <a:pPr lvl="1"/>
             <a:r>
               <a:rPr lang="en-CA" dirty="0"/>
-              <a:t>Now, go to </a:t>
+              <a:t>In Deployment Method, select GitHub, and link your GitHub account.</a:t>
+            </a:r>
+          </a:p>
+          <a:p>
+            <a:pPr lvl="1"/>
+            <a:r>
+              <a:rPr lang="en-CA" dirty="0"/>
+              <a:t> Search for your </a:t>
             </a:r>
             <a:r>
               <a:rPr lang="en-CA" dirty="0" err="1"/>
-              <a:t>PHPstorm</a:t>
+              <a:t>github</a:t>
             </a:r>
             <a:r>
               <a:rPr lang="en-CA" dirty="0"/>
-              <a:t>, go to assets folder.</a:t>
-            </a:r>
-          </a:p>
-          <a:p>
-            <a:pPr marL="800100" lvl="1" indent="-342900">
-              <a:buAutoNum type="arabicPeriod"/>
-            </a:pPr>
-            <a:r>
-              <a:rPr lang="en-CA" dirty="0"/>
-              <a:t>Create a file called </a:t>
-            </a:r>
-            <a:r>
-              <a:rPr lang="en-CA" dirty="0" err="1"/>
-              <a:t>composer.json</a:t>
-            </a:r>
-            <a:endParaRPr lang="en-CA" dirty="0"/>
-          </a:p>
-          <a:p>
-            <a:pPr marL="800100" lvl="1" indent="-342900">
-              <a:buAutoNum type="arabicPeriod"/>
-            </a:pPr>
-            <a:r>
-              <a:rPr lang="en-CA" dirty="0"/>
-              <a:t>In the file, put: {}</a:t>
-            </a:r>
-          </a:p>
-          <a:p>
-            <a:pPr marL="457200" lvl="1" indent="0">
-              <a:buNone/>
-            </a:pPr>
-            <a:endParaRPr lang="en-CA" dirty="0"/>
+              <a:t> repo, and connect it. </a:t>
+            </a:r>
           </a:p>
         </p:txBody>
       </p:sp>
+      <p:pic>
+        <p:nvPicPr>
+          <p:cNvPr id="4" name="Picture 3"/>
+          <p:cNvPicPr>
+            <a:picLocks noChangeAspect="1"/>
+          </p:cNvPicPr>
+          <p:nvPr/>
+        </p:nvPicPr>
+        <p:blipFill>
+          <a:blip r:embed="rId2"/>
+          <a:stretch>
+            <a:fillRect/>
+          </a:stretch>
+        </p:blipFill>
+        <p:spPr>
+          <a:xfrm>
+            <a:off x="507508" y="3924300"/>
+            <a:ext cx="11563350" cy="2933700"/>
+          </a:xfrm>
+          <a:prstGeom prst="rect">
+            <a:avLst/>
+          </a:prstGeom>
+        </p:spPr>
+      </p:pic>
     </p:spTree>
     <p:extLst>
       <p:ext uri="{BB962C8B-B14F-4D97-AF65-F5344CB8AC3E}">
-        <p14:creationId xmlns:p14="http://schemas.microsoft.com/office/powerpoint/2010/main" val="3268407423"/>
+        <p14:creationId xmlns:p14="http://schemas.microsoft.com/office/powerpoint/2010/main" val="2956517013"/>
       </p:ext>
     </p:extLst>
   </p:cSld>
@@ -14688,13 +14539,8 @@
           <a:p>
             <a:r>
               <a:rPr lang="en-CA" dirty="0"/>
-              <a:t>Deploy on </a:t>
-            </a:r>
-            <a:r>
-              <a:rPr lang="en-CA" dirty="0" err="1"/>
-              <a:t>Heroku</a:t>
-            </a:r>
-            <a:endParaRPr lang="en-CA" dirty="0"/>
+              <a:t>Deploy your Website</a:t>
+            </a:r>
           </a:p>
         </p:txBody>
       </p:sp>
@@ -14715,37 +14561,7 @@
           <a:p>
             <a:r>
               <a:rPr lang="en-CA" dirty="0"/>
-              <a:t>Go to Deploy on your </a:t>
-            </a:r>
-            <a:r>
-              <a:rPr lang="en-CA" dirty="0" err="1"/>
-              <a:t>Heroku</a:t>
-            </a:r>
-            <a:r>
-              <a:rPr lang="en-CA" dirty="0"/>
-              <a:t> dashboard.</a:t>
-            </a:r>
-          </a:p>
-          <a:p>
-            <a:pPr lvl="1"/>
-            <a:r>
-              <a:rPr lang="en-CA" dirty="0"/>
-              <a:t>In Deployment Method, select GitHub, and link your GitHub account.</a:t>
-            </a:r>
-          </a:p>
-          <a:p>
-            <a:pPr lvl="1"/>
-            <a:r>
-              <a:rPr lang="en-CA" dirty="0"/>
-              <a:t> Search for your </a:t>
-            </a:r>
-            <a:r>
-              <a:rPr lang="en-CA" dirty="0" err="1"/>
-              <a:t>github</a:t>
-            </a:r>
-            <a:r>
-              <a:rPr lang="en-CA" dirty="0"/>
-              <a:t> repo, and connect it. </a:t>
+              <a:t>Under Manual deploy, click on “Deploy Branch”</a:t>
             </a:r>
           </a:p>
         </p:txBody>
@@ -14766,8 +14582,8 @@
         </p:blipFill>
         <p:spPr>
           <a:xfrm>
-            <a:off x="507508" y="3924300"/>
-            <a:ext cx="11563350" cy="2933700"/>
+            <a:off x="523875" y="3162232"/>
+            <a:ext cx="11668125" cy="1666875"/>
           </a:xfrm>
           <a:prstGeom prst="rect">
             <a:avLst/>
@@ -14777,7 +14593,7 @@
     </p:spTree>
     <p:extLst>
       <p:ext uri="{BB962C8B-B14F-4D97-AF65-F5344CB8AC3E}">
-        <p14:creationId xmlns:p14="http://schemas.microsoft.com/office/powerpoint/2010/main" val="2956517013"/>
+        <p14:creationId xmlns:p14="http://schemas.microsoft.com/office/powerpoint/2010/main" val="886808411"/>
       </p:ext>
     </p:extLst>
   </p:cSld>
@@ -14821,7 +14637,7 @@
           <a:p>
             <a:r>
               <a:rPr lang="en-CA" dirty="0"/>
-              <a:t>Deploy your Website</a:t>
+              <a:t>Your website is now successfully deployed!</a:t>
             </a:r>
           </a:p>
         </p:txBody>
@@ -14843,39 +14659,35 @@
           <a:p>
             <a:r>
               <a:rPr lang="en-CA" dirty="0"/>
-              <a:t>Under Manual deploy, click on “Deploy Branch”</a:t>
+              <a:t>You can click on “Open App” in the top right corner or type in the </a:t>
+            </a:r>
+            <a:r>
+              <a:rPr lang="en-CA" dirty="0" err="1"/>
+              <a:t>url</a:t>
+            </a:r>
+            <a:r>
+              <a:rPr lang="en-CA" dirty="0"/>
+              <a:t> to access your website.</a:t>
+            </a:r>
+          </a:p>
+          <a:p>
+            <a:endParaRPr lang="en-CA" dirty="0"/>
+          </a:p>
+          <a:p>
+            <a:endParaRPr lang="en-CA" dirty="0"/>
+          </a:p>
+          <a:p>
+            <a:r>
+              <a:rPr lang="en-CA" dirty="0"/>
+              <a:t>Now, time to get your custom domain name!</a:t>
             </a:r>
           </a:p>
         </p:txBody>
       </p:sp>
-      <p:pic>
-        <p:nvPicPr>
-          <p:cNvPr id="4" name="Picture 3"/>
-          <p:cNvPicPr>
-            <a:picLocks noChangeAspect="1"/>
-          </p:cNvPicPr>
-          <p:nvPr/>
-        </p:nvPicPr>
-        <p:blipFill>
-          <a:blip r:embed="rId2"/>
-          <a:stretch>
-            <a:fillRect/>
-          </a:stretch>
-        </p:blipFill>
-        <p:spPr>
-          <a:xfrm>
-            <a:off x="523875" y="3162232"/>
-            <a:ext cx="11668125" cy="1666875"/>
-          </a:xfrm>
-          <a:prstGeom prst="rect">
-            <a:avLst/>
-          </a:prstGeom>
-        </p:spPr>
-      </p:pic>
     </p:spTree>
     <p:extLst>
       <p:ext uri="{BB962C8B-B14F-4D97-AF65-F5344CB8AC3E}">
-        <p14:creationId xmlns:p14="http://schemas.microsoft.com/office/powerpoint/2010/main" val="886808411"/>
+        <p14:creationId xmlns:p14="http://schemas.microsoft.com/office/powerpoint/2010/main" val="2953169321"/>
       </p:ext>
     </p:extLst>
   </p:cSld>
@@ -14912,14 +14724,19 @@
             <p:ph type="title"/>
           </p:nvPr>
         </p:nvSpPr>
-        <p:spPr/>
+        <p:spPr>
+          <a:xfrm>
+            <a:off x="974650" y="780485"/>
+            <a:ext cx="8761413" cy="706964"/>
+          </a:xfrm>
+        </p:spPr>
         <p:txBody>
           <a:bodyPr/>
           <a:lstStyle/>
           <a:p>
             <a:r>
               <a:rPr lang="en-CA" dirty="0"/>
-              <a:t>Your website is now successfully deployed!</a:t>
+              <a:t>Domain Name</a:t>
             </a:r>
           </a:p>
         </p:txBody>
@@ -14934,42 +14751,69 @@
             <p:ph idx="1"/>
           </p:nvPr>
         </p:nvSpPr>
-        <p:spPr/>
+        <p:spPr>
+          <a:xfrm>
+            <a:off x="1154954" y="2603500"/>
+            <a:ext cx="2927649" cy="3416300"/>
+          </a:xfrm>
+        </p:spPr>
         <p:txBody>
           <a:bodyPr/>
           <a:lstStyle/>
           <a:p>
             <a:r>
+              <a:rPr lang="en-CA" dirty="0" err="1"/>
+              <a:t>Namecheap</a:t>
+            </a:r>
+            <a:r>
               <a:rPr lang="en-CA" dirty="0"/>
-              <a:t>You can click on “Open App” in the top right corner or type in the </a:t>
-            </a:r>
-            <a:r>
-              <a:rPr lang="en-CA" dirty="0" err="1"/>
-              <a:t>url</a:t>
-            </a:r>
+              <a:t> offers a free .me domain name for students.</a:t>
+            </a:r>
+          </a:p>
+          <a:p>
             <a:r>
               <a:rPr lang="en-CA" dirty="0"/>
-              <a:t> to access your website.</a:t>
-            </a:r>
-          </a:p>
-          <a:p>
-            <a:endParaRPr lang="en-CA" dirty="0"/>
-          </a:p>
-          <a:p>
-            <a:endParaRPr lang="en-CA" dirty="0"/>
-          </a:p>
-          <a:p>
+              <a:t>Go to </a:t>
+            </a:r>
+            <a:r>
+              <a:rPr lang="en-CA" b="1" dirty="0"/>
+              <a:t>nc.me</a:t>
+            </a:r>
             <a:r>
               <a:rPr lang="en-CA" dirty="0"/>
-              <a:t>Now, time to get your custom domain name!</a:t>
+              <a:t> to claim it.</a:t>
             </a:r>
           </a:p>
         </p:txBody>
       </p:sp>
+      <p:pic>
+        <p:nvPicPr>
+          <p:cNvPr id="4" name="Picture 3"/>
+          <p:cNvPicPr>
+            <a:picLocks noChangeAspect="1"/>
+          </p:cNvPicPr>
+          <p:nvPr/>
+        </p:nvPicPr>
+        <p:blipFill>
+          <a:blip r:embed="rId2"/>
+          <a:stretch>
+            <a:fillRect/>
+          </a:stretch>
+        </p:blipFill>
+        <p:spPr>
+          <a:xfrm>
+            <a:off x="4443480" y="1619250"/>
+            <a:ext cx="7658100" cy="4400550"/>
+          </a:xfrm>
+          <a:prstGeom prst="rect">
+            <a:avLst/>
+          </a:prstGeom>
+        </p:spPr>
+      </p:pic>
     </p:spTree>
     <p:extLst>
       <p:ext uri="{BB962C8B-B14F-4D97-AF65-F5344CB8AC3E}">
-        <p14:creationId xmlns:p14="http://schemas.microsoft.com/office/powerpoint/2010/main" val="2953169321"/>
+        <p14:creationId xmlns:p14="http://schemas.microsoft.com/office/powerpoint/2010/main" val="1093785548"/>
       </p:ext>
     </p:extLst>
   </p:cSld>
@@ -15006,19 +14850,14 @@
             <p:ph type="title"/>
           </p:nvPr>
         </p:nvSpPr>
-        <p:spPr>
-          <a:xfrm>
-            <a:off x="974650" y="780485"/>
-            <a:ext cx="8761413" cy="706964"/>
-          </a:xfrm>
-        </p:spPr>
+        <p:spPr/>
         <p:txBody>
           <a:bodyPr/>
           <a:lstStyle/>
           <a:p>
             <a:r>
               <a:rPr lang="en-CA" dirty="0"/>
-              <a:t>Domain Name</a:t>
+              <a:t>nc.me</a:t>
             </a:r>
           </a:p>
         </p:txBody>
@@ -15033,38 +14872,12 @@
             <p:ph idx="1"/>
           </p:nvPr>
         </p:nvSpPr>
-        <p:spPr>
-          <a:xfrm>
-            <a:off x="1154954" y="2603500"/>
-            <a:ext cx="2927649" cy="3416300"/>
-          </a:xfrm>
-        </p:spPr>
+        <p:spPr/>
         <p:txBody>
           <a:bodyPr/>
           <a:lstStyle/>
           <a:p>
-            <a:r>
-              <a:rPr lang="en-CA" dirty="0" err="1"/>
-              <a:t>Namecheap</a:t>
-            </a:r>
-            <a:r>
-              <a:rPr lang="en-CA" dirty="0"/>
-              <a:t> offers a free .me domain name for students.</a:t>
-            </a:r>
-          </a:p>
-          <a:p>
-            <a:r>
-              <a:rPr lang="en-CA" dirty="0"/>
-              <a:t>Go to </a:t>
-            </a:r>
-            <a:r>
-              <a:rPr lang="en-CA" b="1" dirty="0"/>
-              <a:t>nc.me</a:t>
-            </a:r>
-            <a:r>
-              <a:rPr lang="en-CA" dirty="0"/>
-              <a:t> to claim it.</a:t>
-            </a:r>
+            <a:endParaRPr lang="en-CA" dirty="0"/>
           </a:p>
         </p:txBody>
       </p:sp>
@@ -15084,8 +14897,8 @@
         </p:blipFill>
         <p:spPr>
           <a:xfrm>
-            <a:off x="4443480" y="1619250"/>
-            <a:ext cx="7658100" cy="4400550"/>
+            <a:off x="1039044" y="2405801"/>
+            <a:ext cx="9582150" cy="4210050"/>
           </a:xfrm>
           <a:prstGeom prst="rect">
             <a:avLst/>
@@ -15095,7 +14908,7 @@
     </p:spTree>
     <p:extLst>
       <p:ext uri="{BB962C8B-B14F-4D97-AF65-F5344CB8AC3E}">
-        <p14:creationId xmlns:p14="http://schemas.microsoft.com/office/powerpoint/2010/main" val="1093785548"/>
+        <p14:creationId xmlns:p14="http://schemas.microsoft.com/office/powerpoint/2010/main" val="2233568192"/>
       </p:ext>
     </p:extLst>
   </p:cSld>
@@ -15159,7 +14972,10 @@
           <a:bodyPr/>
           <a:lstStyle/>
           <a:p>
-            <a:endParaRPr lang="en-CA" dirty="0"/>
+            <a:r>
+              <a:rPr lang="en-CA" dirty="0"/>
+              <a:t>Once you’ve selected your domain, register with your student email. </a:t>
+            </a:r>
           </a:p>
         </p:txBody>
       </p:sp>
@@ -15179,8 +14995,8 @@
         </p:blipFill>
         <p:spPr>
           <a:xfrm>
-            <a:off x="1039044" y="2405801"/>
-            <a:ext cx="9582150" cy="4210050"/>
+            <a:off x="1486973" y="3349581"/>
+            <a:ext cx="7543800" cy="3352800"/>
           </a:xfrm>
           <a:prstGeom prst="rect">
             <a:avLst/>
@@ -15190,7 +15006,7 @@
     </p:spTree>
     <p:extLst>
       <p:ext uri="{BB962C8B-B14F-4D97-AF65-F5344CB8AC3E}">
-        <p14:creationId xmlns:p14="http://schemas.microsoft.com/office/powerpoint/2010/main" val="2233568192"/>
+        <p14:creationId xmlns:p14="http://schemas.microsoft.com/office/powerpoint/2010/main" val="3389652937"/>
       </p:ext>
     </p:extLst>
   </p:cSld>
